--- a/Final_Project_Slides.pptx
+++ b/Final_Project_Slides.pptx
@@ -624,7 +624,7 @@
             <a:fld id="{B61BEF0D-F0BB-DE4B-95CE-6DB70DBA9567}" type="datetimeFigureOut">
               <a:rPr lang="en-US" smtClean="0"/>
               <a:pPr/>
-              <a:t>12/11/2023</a:t>
+              <a:t>12/12/2023</a:t>
             </a:fld>
             <a:endParaRPr lang="en-US" dirty="0"/>
           </a:p>
@@ -922,7 +922,7 @@
             <a:fld id="{B61BEF0D-F0BB-DE4B-95CE-6DB70DBA9567}" type="datetimeFigureOut">
               <a:rPr lang="en-US" smtClean="0"/>
               <a:pPr/>
-              <a:t>12/11/2023</a:t>
+              <a:t>12/12/2023</a:t>
             </a:fld>
             <a:endParaRPr lang="en-US" dirty="0"/>
           </a:p>
@@ -1172,7 +1172,7 @@
             <a:fld id="{B61BEF0D-F0BB-DE4B-95CE-6DB70DBA9567}" type="datetimeFigureOut">
               <a:rPr lang="en-US" smtClean="0"/>
               <a:pPr/>
-              <a:t>12/11/2023</a:t>
+              <a:t>12/12/2023</a:t>
             </a:fld>
             <a:endParaRPr lang="en-US" dirty="0"/>
           </a:p>
@@ -1714,7 +1714,7 @@
             <a:fld id="{B61BEF0D-F0BB-DE4B-95CE-6DB70DBA9567}" type="datetimeFigureOut">
               <a:rPr lang="en-US" smtClean="0"/>
               <a:pPr/>
-              <a:t>12/11/2023</a:t>
+              <a:t>12/12/2023</a:t>
             </a:fld>
             <a:endParaRPr lang="en-US" dirty="0"/>
           </a:p>
@@ -1964,7 +1964,7 @@
             <a:fld id="{B61BEF0D-F0BB-DE4B-95CE-6DB70DBA9567}" type="datetimeFigureOut">
               <a:rPr lang="en-US" smtClean="0"/>
               <a:pPr/>
-              <a:t>12/11/2023</a:t>
+              <a:t>12/12/2023</a:t>
             </a:fld>
             <a:endParaRPr lang="en-US" dirty="0"/>
           </a:p>
@@ -2498,7 +2498,7 @@
             <a:fld id="{B61BEF0D-F0BB-DE4B-95CE-6DB70DBA9567}" type="datetimeFigureOut">
               <a:rPr lang="en-US" smtClean="0"/>
               <a:pPr/>
-              <a:t>12/11/2023</a:t>
+              <a:t>12/12/2023</a:t>
             </a:fld>
             <a:endParaRPr lang="en-US" dirty="0"/>
           </a:p>
@@ -2797,7 +2797,7 @@
             <a:fld id="{B61BEF0D-F0BB-DE4B-95CE-6DB70DBA9567}" type="datetimeFigureOut">
               <a:rPr lang="en-US" smtClean="0"/>
               <a:pPr/>
-              <a:t>12/11/2023</a:t>
+              <a:t>12/12/2023</a:t>
             </a:fld>
             <a:endParaRPr lang="en-US" dirty="0"/>
           </a:p>
@@ -2973,7 +2973,7 @@
             <a:fld id="{B61BEF0D-F0BB-DE4B-95CE-6DB70DBA9567}" type="datetimeFigureOut">
               <a:rPr lang="en-US" smtClean="0"/>
               <a:pPr/>
-              <a:t>12/11/2023</a:t>
+              <a:t>12/12/2023</a:t>
             </a:fld>
             <a:endParaRPr lang="en-US" dirty="0"/>
           </a:p>
@@ -3155,7 +3155,7 @@
             <a:fld id="{B61BEF0D-F0BB-DE4B-95CE-6DB70DBA9567}" type="datetimeFigureOut">
               <a:rPr lang="en-US" smtClean="0"/>
               <a:pPr/>
-              <a:t>12/11/2023</a:t>
+              <a:t>12/12/2023</a:t>
             </a:fld>
             <a:endParaRPr lang="en-US" dirty="0"/>
           </a:p>
@@ -3327,7 +3327,7 @@
             <a:fld id="{B61BEF0D-F0BB-DE4B-95CE-6DB70DBA9567}" type="datetimeFigureOut">
               <a:rPr lang="en-US" smtClean="0"/>
               <a:pPr/>
-              <a:t>12/11/2023</a:t>
+              <a:t>12/12/2023</a:t>
             </a:fld>
             <a:endParaRPr lang="en-US" dirty="0"/>
           </a:p>
@@ -3580,7 +3580,7 @@
             <a:fld id="{B61BEF0D-F0BB-DE4B-95CE-6DB70DBA9567}" type="datetimeFigureOut">
               <a:rPr lang="en-US" smtClean="0"/>
               <a:pPr/>
-              <a:t>12/11/2023</a:t>
+              <a:t>12/12/2023</a:t>
             </a:fld>
             <a:endParaRPr lang="en-US" dirty="0"/>
           </a:p>
@@ -3879,7 +3879,7 @@
             <a:fld id="{B61BEF0D-F0BB-DE4B-95CE-6DB70DBA9567}" type="datetimeFigureOut">
               <a:rPr lang="en-US" smtClean="0"/>
               <a:pPr/>
-              <a:t>12/11/2023</a:t>
+              <a:t>12/12/2023</a:t>
             </a:fld>
             <a:endParaRPr lang="en-US" dirty="0"/>
           </a:p>
@@ -4323,7 +4323,7 @@
             <a:fld id="{B61BEF0D-F0BB-DE4B-95CE-6DB70DBA9567}" type="datetimeFigureOut">
               <a:rPr lang="en-US" smtClean="0"/>
               <a:pPr/>
-              <a:t>12/11/2023</a:t>
+              <a:t>12/12/2023</a:t>
             </a:fld>
             <a:endParaRPr lang="en-US" dirty="0"/>
           </a:p>
@@ -4443,7 +4443,7 @@
             <a:fld id="{B61BEF0D-F0BB-DE4B-95CE-6DB70DBA9567}" type="datetimeFigureOut">
               <a:rPr lang="en-US" smtClean="0"/>
               <a:pPr/>
-              <a:t>12/11/2023</a:t>
+              <a:t>12/12/2023</a:t>
             </a:fld>
             <a:endParaRPr lang="en-US" dirty="0"/>
           </a:p>
@@ -4540,7 +4540,7 @@
             <a:fld id="{B61BEF0D-F0BB-DE4B-95CE-6DB70DBA9567}" type="datetimeFigureOut">
               <a:rPr lang="en-US" smtClean="0"/>
               <a:pPr/>
-              <a:t>12/11/2023</a:t>
+              <a:t>12/12/2023</a:t>
             </a:fld>
             <a:endParaRPr lang="en-US" dirty="0"/>
           </a:p>
@@ -4825,7 +4825,7 @@
             <a:fld id="{B61BEF0D-F0BB-DE4B-95CE-6DB70DBA9567}" type="datetimeFigureOut">
               <a:rPr lang="en-US" smtClean="0"/>
               <a:pPr/>
-              <a:t>12/11/2023</a:t>
+              <a:t>12/12/2023</a:t>
             </a:fld>
             <a:endParaRPr lang="en-US" dirty="0"/>
           </a:p>
@@ -5118,7 +5118,7 @@
             <a:fld id="{B61BEF0D-F0BB-DE4B-95CE-6DB70DBA9567}" type="datetimeFigureOut">
               <a:rPr lang="en-US" smtClean="0"/>
               <a:pPr/>
-              <a:t>12/11/2023</a:t>
+              <a:t>12/12/2023</a:t>
             </a:fld>
             <a:endParaRPr lang="en-US" dirty="0"/>
           </a:p>
@@ -5650,7 +5650,7 @@
             <a:fld id="{B61BEF0D-F0BB-DE4B-95CE-6DB70DBA9567}" type="datetimeFigureOut">
               <a:rPr lang="en-US" smtClean="0"/>
               <a:pPr/>
-              <a:t>12/11/2023</a:t>
+              <a:t>12/12/2023</a:t>
             </a:fld>
             <a:endParaRPr lang="en-US" dirty="0"/>
           </a:p>
@@ -6436,7 +6436,7 @@
                 <a:effectLst/>
                 <a:latin typeface="Slack-Lato"/>
               </a:rPr>
-              <a:t>0.367418 – Term – Length of Loan</a:t>
+              <a:t>0.369553 – Term – Length of Loan</a:t>
             </a:r>
           </a:p>
           <a:p>
@@ -6451,7 +6451,7 @@
                 <a:effectLst/>
                 <a:latin typeface="Slack-Lato"/>
               </a:rPr>
-              <a:t>0.334756 – Credit Utilization </a:t>
+              <a:t>0.334437 – Credit Utilization </a:t>
             </a:r>
             <a:r>
               <a:rPr lang="en-US" dirty="0">
@@ -6475,7 +6475,7 @@
                 <a:effectLst/>
                 <a:latin typeface="Slack-Lato"/>
               </a:rPr>
-              <a:t>0.123857 – Installment – Monthly Payment</a:t>
+              <a:t>0.125180 – Installment – Monthly Payment</a:t>
             </a:r>
           </a:p>
           <a:p>
@@ -6490,7 +6490,7 @@
                 <a:effectLst/>
                 <a:latin typeface="Slack-Lato"/>
               </a:rPr>
-              <a:t>0.053053 – Delinquency in 2 Years – 30+ days past-due for the past 2 years</a:t>
+              <a:t>0.051268 – Delinquency in 2 Years – 30+ days past-due for the past 2 years</a:t>
             </a:r>
           </a:p>
           <a:p>
@@ -6505,7 +6505,7 @@
                 <a:effectLst/>
                 <a:latin typeface="Slack-Lato"/>
               </a:rPr>
-              <a:t>0.028110 – Inquiries – The number of inquiries in the last 6 months</a:t>
+              <a:t>0.035901 – Open Accounts – The number of open lines of credit</a:t>
             </a:r>
             <a:endParaRPr lang="en-US" dirty="0"/>
           </a:p>
@@ -8372,10 +8372,10 @@
       </p:sp>
       <p:pic>
         <p:nvPicPr>
-          <p:cNvPr id="10" name="Picture 9">
+          <p:cNvPr id="5" name="Picture 4">
             <a:extLst>
               <a:ext uri="{FF2B5EF4-FFF2-40B4-BE49-F238E27FC236}">
-                <a16:creationId xmlns:a16="http://schemas.microsoft.com/office/drawing/2014/main" id="{F9ABF16F-0B4B-DC05-59E4-251B9877AED7}"/>
+                <a16:creationId xmlns:a16="http://schemas.microsoft.com/office/drawing/2014/main" id="{9851BF7B-6160-86E2-30CF-20ADFEE9EEBD}"/>
               </a:ext>
             </a:extLst>
           </p:cNvPr>
@@ -8392,8 +8392,8 @@
         </p:blipFill>
         <p:spPr>
           <a:xfrm>
-            <a:off x="2921995" y="2430693"/>
-            <a:ext cx="7630296" cy="2399925"/>
+            <a:off x="2481187" y="2539260"/>
+            <a:ext cx="8226503" cy="2429717"/>
           </a:xfrm>
           <a:prstGeom prst="rect">
             <a:avLst/>

--- a/Final_Project_Slides.pptx
+++ b/Final_Project_Slides.pptx
@@ -14,7 +14,8 @@
     <p:sldId id="263" r:id="rId8"/>
     <p:sldId id="264" r:id="rId9"/>
     <p:sldId id="265" r:id="rId10"/>
-    <p:sldId id="262" r:id="rId11"/>
+    <p:sldId id="266" r:id="rId11"/>
+    <p:sldId id="262" r:id="rId12"/>
   </p:sldIdLst>
   <p:sldSz cx="12192000" cy="6858000"/>
   <p:notesSz cx="6858000" cy="9144000"/>
@@ -624,7 +625,7 @@
             <a:fld id="{B61BEF0D-F0BB-DE4B-95CE-6DB70DBA9567}" type="datetimeFigureOut">
               <a:rPr lang="en-US" smtClean="0"/>
               <a:pPr/>
-              <a:t>12/12/2023</a:t>
+              <a:t>12/13/2023</a:t>
             </a:fld>
             <a:endParaRPr lang="en-US" dirty="0"/>
           </a:p>
@@ -922,7 +923,7 @@
             <a:fld id="{B61BEF0D-F0BB-DE4B-95CE-6DB70DBA9567}" type="datetimeFigureOut">
               <a:rPr lang="en-US" smtClean="0"/>
               <a:pPr/>
-              <a:t>12/12/2023</a:t>
+              <a:t>12/13/2023</a:t>
             </a:fld>
             <a:endParaRPr lang="en-US" dirty="0"/>
           </a:p>
@@ -1172,7 +1173,7 @@
             <a:fld id="{B61BEF0D-F0BB-DE4B-95CE-6DB70DBA9567}" type="datetimeFigureOut">
               <a:rPr lang="en-US" smtClean="0"/>
               <a:pPr/>
-              <a:t>12/12/2023</a:t>
+              <a:t>12/13/2023</a:t>
             </a:fld>
             <a:endParaRPr lang="en-US" dirty="0"/>
           </a:p>
@@ -1714,7 +1715,7 @@
             <a:fld id="{B61BEF0D-F0BB-DE4B-95CE-6DB70DBA9567}" type="datetimeFigureOut">
               <a:rPr lang="en-US" smtClean="0"/>
               <a:pPr/>
-              <a:t>12/12/2023</a:t>
+              <a:t>12/13/2023</a:t>
             </a:fld>
             <a:endParaRPr lang="en-US" dirty="0"/>
           </a:p>
@@ -1964,7 +1965,7 @@
             <a:fld id="{B61BEF0D-F0BB-DE4B-95CE-6DB70DBA9567}" type="datetimeFigureOut">
               <a:rPr lang="en-US" smtClean="0"/>
               <a:pPr/>
-              <a:t>12/12/2023</a:t>
+              <a:t>12/13/2023</a:t>
             </a:fld>
             <a:endParaRPr lang="en-US" dirty="0"/>
           </a:p>
@@ -2498,7 +2499,7 @@
             <a:fld id="{B61BEF0D-F0BB-DE4B-95CE-6DB70DBA9567}" type="datetimeFigureOut">
               <a:rPr lang="en-US" smtClean="0"/>
               <a:pPr/>
-              <a:t>12/12/2023</a:t>
+              <a:t>12/13/2023</a:t>
             </a:fld>
             <a:endParaRPr lang="en-US" dirty="0"/>
           </a:p>
@@ -2797,7 +2798,7 @@
             <a:fld id="{B61BEF0D-F0BB-DE4B-95CE-6DB70DBA9567}" type="datetimeFigureOut">
               <a:rPr lang="en-US" smtClean="0"/>
               <a:pPr/>
-              <a:t>12/12/2023</a:t>
+              <a:t>12/13/2023</a:t>
             </a:fld>
             <a:endParaRPr lang="en-US" dirty="0"/>
           </a:p>
@@ -2973,7 +2974,7 @@
             <a:fld id="{B61BEF0D-F0BB-DE4B-95CE-6DB70DBA9567}" type="datetimeFigureOut">
               <a:rPr lang="en-US" smtClean="0"/>
               <a:pPr/>
-              <a:t>12/12/2023</a:t>
+              <a:t>12/13/2023</a:t>
             </a:fld>
             <a:endParaRPr lang="en-US" dirty="0"/>
           </a:p>
@@ -3155,7 +3156,7 @@
             <a:fld id="{B61BEF0D-F0BB-DE4B-95CE-6DB70DBA9567}" type="datetimeFigureOut">
               <a:rPr lang="en-US" smtClean="0"/>
               <a:pPr/>
-              <a:t>12/12/2023</a:t>
+              <a:t>12/13/2023</a:t>
             </a:fld>
             <a:endParaRPr lang="en-US" dirty="0"/>
           </a:p>
@@ -3327,7 +3328,7 @@
             <a:fld id="{B61BEF0D-F0BB-DE4B-95CE-6DB70DBA9567}" type="datetimeFigureOut">
               <a:rPr lang="en-US" smtClean="0"/>
               <a:pPr/>
-              <a:t>12/12/2023</a:t>
+              <a:t>12/13/2023</a:t>
             </a:fld>
             <a:endParaRPr lang="en-US" dirty="0"/>
           </a:p>
@@ -3580,7 +3581,7 @@
             <a:fld id="{B61BEF0D-F0BB-DE4B-95CE-6DB70DBA9567}" type="datetimeFigureOut">
               <a:rPr lang="en-US" smtClean="0"/>
               <a:pPr/>
-              <a:t>12/12/2023</a:t>
+              <a:t>12/13/2023</a:t>
             </a:fld>
             <a:endParaRPr lang="en-US" dirty="0"/>
           </a:p>
@@ -3879,7 +3880,7 @@
             <a:fld id="{B61BEF0D-F0BB-DE4B-95CE-6DB70DBA9567}" type="datetimeFigureOut">
               <a:rPr lang="en-US" smtClean="0"/>
               <a:pPr/>
-              <a:t>12/12/2023</a:t>
+              <a:t>12/13/2023</a:t>
             </a:fld>
             <a:endParaRPr lang="en-US" dirty="0"/>
           </a:p>
@@ -4323,7 +4324,7 @@
             <a:fld id="{B61BEF0D-F0BB-DE4B-95CE-6DB70DBA9567}" type="datetimeFigureOut">
               <a:rPr lang="en-US" smtClean="0"/>
               <a:pPr/>
-              <a:t>12/12/2023</a:t>
+              <a:t>12/13/2023</a:t>
             </a:fld>
             <a:endParaRPr lang="en-US" dirty="0"/>
           </a:p>
@@ -4443,7 +4444,7 @@
             <a:fld id="{B61BEF0D-F0BB-DE4B-95CE-6DB70DBA9567}" type="datetimeFigureOut">
               <a:rPr lang="en-US" smtClean="0"/>
               <a:pPr/>
-              <a:t>12/12/2023</a:t>
+              <a:t>12/13/2023</a:t>
             </a:fld>
             <a:endParaRPr lang="en-US" dirty="0"/>
           </a:p>
@@ -4540,7 +4541,7 @@
             <a:fld id="{B61BEF0D-F0BB-DE4B-95CE-6DB70DBA9567}" type="datetimeFigureOut">
               <a:rPr lang="en-US" smtClean="0"/>
               <a:pPr/>
-              <a:t>12/12/2023</a:t>
+              <a:t>12/13/2023</a:t>
             </a:fld>
             <a:endParaRPr lang="en-US" dirty="0"/>
           </a:p>
@@ -4825,7 +4826,7 @@
             <a:fld id="{B61BEF0D-F0BB-DE4B-95CE-6DB70DBA9567}" type="datetimeFigureOut">
               <a:rPr lang="en-US" smtClean="0"/>
               <a:pPr/>
-              <a:t>12/12/2023</a:t>
+              <a:t>12/13/2023</a:t>
             </a:fld>
             <a:endParaRPr lang="en-US" dirty="0"/>
           </a:p>
@@ -5118,7 +5119,7 @@
             <a:fld id="{B61BEF0D-F0BB-DE4B-95CE-6DB70DBA9567}" type="datetimeFigureOut">
               <a:rPr lang="en-US" smtClean="0"/>
               <a:pPr/>
-              <a:t>12/12/2023</a:t>
+              <a:t>12/13/2023</a:t>
             </a:fld>
             <a:endParaRPr lang="en-US" dirty="0"/>
           </a:p>
@@ -5650,7 +5651,7 @@
             <a:fld id="{B61BEF0D-F0BB-DE4B-95CE-6DB70DBA9567}" type="datetimeFigureOut">
               <a:rPr lang="en-US" smtClean="0"/>
               <a:pPr/>
-              <a:t>12/12/2023</a:t>
+              <a:t>12/13/2023</a:t>
             </a:fld>
             <a:endParaRPr lang="en-US" dirty="0"/>
           </a:p>
@@ -6350,6 +6351,146 @@
       </p:grpSpPr>
       <p:sp>
         <p:nvSpPr>
+          <p:cNvPr id="6" name="Title 5">
+            <a:extLst>
+              <a:ext uri="{FF2B5EF4-FFF2-40B4-BE49-F238E27FC236}">
+                <a16:creationId xmlns:a16="http://schemas.microsoft.com/office/drawing/2014/main" id="{E0421805-B5B1-6D8B-66BF-673F134B9A2C}"/>
+              </a:ext>
+            </a:extLst>
+          </p:cNvPr>
+          <p:cNvSpPr>
+            <a:spLocks noGrp="1"/>
+          </p:cNvSpPr>
+          <p:nvPr>
+            <p:ph type="title"/>
+          </p:nvPr>
+        </p:nvSpPr>
+        <p:spPr/>
+        <p:txBody>
+          <a:bodyPr/>
+          <a:lstStyle/>
+          <a:p>
+            <a:endParaRPr lang="en-US"/>
+          </a:p>
+        </p:txBody>
+      </p:sp>
+      <p:sp>
+        <p:nvSpPr>
+          <p:cNvPr id="10" name="Content Placeholder 9">
+            <a:extLst>
+              <a:ext uri="{FF2B5EF4-FFF2-40B4-BE49-F238E27FC236}">
+                <a16:creationId xmlns:a16="http://schemas.microsoft.com/office/drawing/2014/main" id="{F4441CD7-6A33-E805-B2A4-8EA063F8CAE0}"/>
+              </a:ext>
+            </a:extLst>
+          </p:cNvPr>
+          <p:cNvSpPr>
+            <a:spLocks noGrp="1"/>
+          </p:cNvSpPr>
+          <p:nvPr>
+            <p:ph idx="1"/>
+          </p:nvPr>
+        </p:nvSpPr>
+        <p:spPr/>
+        <p:txBody>
+          <a:bodyPr/>
+          <a:lstStyle/>
+          <a:p>
+            <a:endParaRPr lang="en-US"/>
+          </a:p>
+        </p:txBody>
+      </p:sp>
+      <p:pic>
+        <p:nvPicPr>
+          <p:cNvPr id="14" name="Picture 13">
+            <a:extLst>
+              <a:ext uri="{FF2B5EF4-FFF2-40B4-BE49-F238E27FC236}">
+                <a16:creationId xmlns:a16="http://schemas.microsoft.com/office/drawing/2014/main" id="{F505689E-935D-A390-8600-D9E9892672EC}"/>
+              </a:ext>
+            </a:extLst>
+          </p:cNvPr>
+          <p:cNvPicPr>
+            <a:picLocks noChangeAspect="1"/>
+          </p:cNvPicPr>
+          <p:nvPr/>
+        </p:nvPicPr>
+        <p:blipFill>
+          <a:blip r:embed="rId2"/>
+          <a:stretch>
+            <a:fillRect/>
+          </a:stretch>
+        </p:blipFill>
+        <p:spPr>
+          <a:xfrm>
+            <a:off x="328876" y="1165860"/>
+            <a:ext cx="5932170" cy="5303520"/>
+          </a:xfrm>
+          <a:prstGeom prst="rect">
+            <a:avLst/>
+          </a:prstGeom>
+        </p:spPr>
+      </p:pic>
+      <p:pic>
+        <p:nvPicPr>
+          <p:cNvPr id="18" name="Picture 17">
+            <a:extLst>
+              <a:ext uri="{FF2B5EF4-FFF2-40B4-BE49-F238E27FC236}">
+                <a16:creationId xmlns:a16="http://schemas.microsoft.com/office/drawing/2014/main" id="{38E73597-48CA-5139-7AEB-1FC683213380}"/>
+              </a:ext>
+            </a:extLst>
+          </p:cNvPr>
+          <p:cNvPicPr>
+            <a:picLocks noChangeAspect="1"/>
+          </p:cNvPicPr>
+          <p:nvPr/>
+        </p:nvPicPr>
+        <p:blipFill>
+          <a:blip r:embed="rId3"/>
+          <a:stretch>
+            <a:fillRect/>
+          </a:stretch>
+        </p:blipFill>
+        <p:spPr>
+          <a:xfrm>
+            <a:off x="6633839" y="1470664"/>
+            <a:ext cx="5085059" cy="2948938"/>
+          </a:xfrm>
+          <a:prstGeom prst="rect">
+            <a:avLst/>
+          </a:prstGeom>
+        </p:spPr>
+      </p:pic>
+    </p:spTree>
+    <p:extLst>
+      <p:ext uri="{BB962C8B-B14F-4D97-AF65-F5344CB8AC3E}">
+        <p14:creationId xmlns:p14="http://schemas.microsoft.com/office/powerpoint/2010/main" val="367576911"/>
+      </p:ext>
+    </p:extLst>
+  </p:cSld>
+  <p:clrMapOvr>
+    <a:masterClrMapping/>
+  </p:clrMapOvr>
+</p:sld>
+</file>
+
+<file path=ppt/slides/slide11.xml><?xml version="1.0" encoding="utf-8"?>
+<p:sld xmlns:a="http://schemas.openxmlformats.org/drawingml/2006/main" xmlns:r="http://schemas.openxmlformats.org/officeDocument/2006/relationships" xmlns:p="http://schemas.openxmlformats.org/presentationml/2006/main">
+  <p:cSld>
+    <p:spTree>
+      <p:nvGrpSpPr>
+        <p:cNvPr id="1" name=""/>
+        <p:cNvGrpSpPr/>
+        <p:nvPr/>
+      </p:nvGrpSpPr>
+      <p:grpSpPr>
+        <a:xfrm>
+          <a:off x="0" y="0"/>
+          <a:ext cx="0" cy="0"/>
+          <a:chOff x="0" y="0"/>
+          <a:chExt cx="0" cy="0"/>
+        </a:xfrm>
+      </p:grpSpPr>
+      <p:sp>
+        <p:nvSpPr>
           <p:cNvPr id="2" name="Title 1">
             <a:extLst>
               <a:ext uri="{FF2B5EF4-FFF2-40B4-BE49-F238E27FC236}">
@@ -6858,6 +6999,13 @@
               <a:noFill/>
             </a:ln>
           </p:spPr>
+          <p:txBody>
+            <a:bodyPr/>
+            <a:lstStyle/>
+            <a:p>
+              <a:endParaRPr lang="en-US"/>
+            </a:p>
+          </p:txBody>
         </p:sp>
         <p:sp>
           <p:nvSpPr>
@@ -6922,6 +7070,13 @@
               <a:noFill/>
             </a:ln>
           </p:spPr>
+          <p:txBody>
+            <a:bodyPr/>
+            <a:lstStyle/>
+            <a:p>
+              <a:endParaRPr lang="en-US"/>
+            </a:p>
+          </p:txBody>
         </p:sp>
         <p:sp>
           <p:nvSpPr>
@@ -6983,6 +7138,13 @@
               <a:noFill/>
             </a:ln>
           </p:spPr>
+          <p:txBody>
+            <a:bodyPr/>
+            <a:lstStyle/>
+            <a:p>
+              <a:endParaRPr lang="en-US"/>
+            </a:p>
+          </p:txBody>
         </p:sp>
         <p:sp>
           <p:nvSpPr>
@@ -7043,6 +7205,13 @@
               <a:noFill/>
             </a:ln>
           </p:spPr>
+          <p:txBody>
+            <a:bodyPr/>
+            <a:lstStyle/>
+            <a:p>
+              <a:endParaRPr lang="en-US"/>
+            </a:p>
+          </p:txBody>
         </p:sp>
         <p:sp>
           <p:nvSpPr>
@@ -7109,6 +7278,13 @@
               <a:noFill/>
             </a:ln>
           </p:spPr>
+          <p:txBody>
+            <a:bodyPr/>
+            <a:lstStyle/>
+            <a:p>
+              <a:endParaRPr lang="en-US"/>
+            </a:p>
+          </p:txBody>
         </p:sp>
         <p:sp>
           <p:nvSpPr>
@@ -7188,6 +7364,13 @@
               <a:noFill/>
             </a:ln>
           </p:spPr>
+          <p:txBody>
+            <a:bodyPr/>
+            <a:lstStyle/>
+            <a:p>
+              <a:endParaRPr lang="en-US"/>
+            </a:p>
+          </p:txBody>
         </p:sp>
       </p:grpSp>
       <p:sp>
@@ -8476,8 +8659,8 @@
         </p:nvSpPr>
         <p:spPr>
           <a:xfrm>
-            <a:off x="1484310" y="2001520"/>
-            <a:ext cx="10018713" cy="4500879"/>
+            <a:off x="1484311" y="3721336"/>
+            <a:ext cx="5997573" cy="1225549"/>
           </a:xfrm>
         </p:spPr>
         <p:txBody>
@@ -8541,6 +8724,96 @@
           </a:p>
         </p:txBody>
       </p:sp>
+      <p:pic>
+        <p:nvPicPr>
+          <p:cNvPr id="5" name="Picture 4">
+            <a:extLst>
+              <a:ext uri="{FF2B5EF4-FFF2-40B4-BE49-F238E27FC236}">
+                <a16:creationId xmlns:a16="http://schemas.microsoft.com/office/drawing/2014/main" id="{B3EAE071-B8BE-3931-4777-5CE8BB898ABE}"/>
+              </a:ext>
+            </a:extLst>
+          </p:cNvPr>
+          <p:cNvPicPr>
+            <a:picLocks noChangeAspect="1"/>
+          </p:cNvPicPr>
+          <p:nvPr/>
+        </p:nvPicPr>
+        <p:blipFill>
+          <a:blip r:embed="rId2"/>
+          <a:stretch>
+            <a:fillRect/>
+          </a:stretch>
+        </p:blipFill>
+        <p:spPr>
+          <a:xfrm>
+            <a:off x="4948740" y="2000095"/>
+            <a:ext cx="6671760" cy="4387380"/>
+          </a:xfrm>
+          <a:prstGeom prst="rect">
+            <a:avLst/>
+          </a:prstGeom>
+        </p:spPr>
+      </p:pic>
+      <p:pic>
+        <p:nvPicPr>
+          <p:cNvPr id="7" name="Picture 6">
+            <a:extLst>
+              <a:ext uri="{FF2B5EF4-FFF2-40B4-BE49-F238E27FC236}">
+                <a16:creationId xmlns:a16="http://schemas.microsoft.com/office/drawing/2014/main" id="{2B8BE6CC-D8EC-D361-8A55-46C67E6E53C0}"/>
+              </a:ext>
+            </a:extLst>
+          </p:cNvPr>
+          <p:cNvPicPr>
+            <a:picLocks noChangeAspect="1"/>
+          </p:cNvPicPr>
+          <p:nvPr/>
+        </p:nvPicPr>
+        <p:blipFill>
+          <a:blip r:embed="rId3"/>
+          <a:stretch>
+            <a:fillRect/>
+          </a:stretch>
+        </p:blipFill>
+        <p:spPr>
+          <a:xfrm>
+            <a:off x="561975" y="2790195"/>
+            <a:ext cx="3961912" cy="931141"/>
+          </a:xfrm>
+          <a:prstGeom prst="rect">
+            <a:avLst/>
+          </a:prstGeom>
+        </p:spPr>
+      </p:pic>
+      <p:pic>
+        <p:nvPicPr>
+          <p:cNvPr id="9" name="Picture 8">
+            <a:extLst>
+              <a:ext uri="{FF2B5EF4-FFF2-40B4-BE49-F238E27FC236}">
+                <a16:creationId xmlns:a16="http://schemas.microsoft.com/office/drawing/2014/main" id="{92FC56B6-63AC-B388-2589-3EA62BAB6996}"/>
+              </a:ext>
+            </a:extLst>
+          </p:cNvPr>
+          <p:cNvPicPr>
+            <a:picLocks noChangeAspect="1"/>
+          </p:cNvPicPr>
+          <p:nvPr/>
+        </p:nvPicPr>
+        <p:blipFill>
+          <a:blip r:embed="rId4"/>
+          <a:stretch>
+            <a:fillRect/>
+          </a:stretch>
+        </p:blipFill>
+        <p:spPr>
+          <a:xfrm>
+            <a:off x="572997" y="4193785"/>
+            <a:ext cx="3949740" cy="1265864"/>
+          </a:xfrm>
+          <a:prstGeom prst="rect">
+            <a:avLst/>
+          </a:prstGeom>
+        </p:spPr>
+      </p:pic>
     </p:spTree>
     <p:extLst>
       <p:ext uri="{BB962C8B-B14F-4D97-AF65-F5344CB8AC3E}">

--- a/Final_Project_Slides.pptx
+++ b/Final_Project_Slides.pptx
@@ -6365,37 +6365,25 @@
             <p:ph type="title"/>
           </p:nvPr>
         </p:nvSpPr>
-        <p:spPr/>
+        <p:spPr>
+          <a:xfrm>
+            <a:off x="6226476" y="779193"/>
+            <a:ext cx="5365063" cy="1386839"/>
+          </a:xfrm>
+        </p:spPr>
         <p:txBody>
           <a:bodyPr/>
           <a:lstStyle/>
           <a:p>
-            <a:endParaRPr lang="en-US"/>
-          </a:p>
-        </p:txBody>
-      </p:sp>
-      <p:sp>
-        <p:nvSpPr>
-          <p:cNvPr id="10" name="Content Placeholder 9">
-            <a:extLst>
-              <a:ext uri="{FF2B5EF4-FFF2-40B4-BE49-F238E27FC236}">
-                <a16:creationId xmlns:a16="http://schemas.microsoft.com/office/drawing/2014/main" id="{F4441CD7-6A33-E805-B2A4-8EA063F8CAE0}"/>
-              </a:ext>
-            </a:extLst>
-          </p:cNvPr>
-          <p:cNvSpPr>
-            <a:spLocks noGrp="1"/>
-          </p:cNvSpPr>
-          <p:nvPr>
-            <p:ph idx="1"/>
-          </p:nvPr>
-        </p:nvSpPr>
-        <p:spPr/>
-        <p:txBody>
-          <a:bodyPr/>
-          <a:lstStyle/>
-          <a:p>
-            <a:endParaRPr lang="en-US"/>
+            <a:r>
+              <a:rPr lang="en-US" dirty="0"/>
+              <a:t>JavaScript </a:t>
+            </a:r>
+            <a:r>
+              <a:rPr lang="en-US" dirty="0" err="1"/>
+              <a:t>Plotly</a:t>
+            </a:r>
+            <a:endParaRPr lang="en-US" dirty="0"/>
           </a:p>
         </p:txBody>
       </p:sp>
@@ -6421,7 +6409,7 @@
         </p:blipFill>
         <p:spPr>
           <a:xfrm>
-            <a:off x="328876" y="1165860"/>
+            <a:off x="878758" y="487680"/>
             <a:ext cx="5932170" cy="5303520"/>
           </a:xfrm>
           <a:prstGeom prst="rect">
@@ -6451,8 +6439,8 @@
         </p:blipFill>
         <p:spPr>
           <a:xfrm>
-            <a:off x="6633839" y="1470664"/>
-            <a:ext cx="5085059" cy="2948938"/>
+            <a:off x="7416480" y="2964178"/>
+            <a:ext cx="4175059" cy="2421209"/>
           </a:xfrm>
           <a:prstGeom prst="rect">
             <a:avLst/>
@@ -7406,7 +7394,6 @@
               <a:rPr lang="en-US" dirty="0"/>
               <a:t>Project Process</a:t>
             </a:r>
-            <a:endParaRPr lang="en-US"/>
           </a:p>
         </p:txBody>
       </p:sp>
@@ -7434,39 +7421,54 @@
         </p:spPr>
         <p:txBody>
           <a:bodyPr>
-            <a:normAutofit/>
+            <a:normAutofit lnSpcReduction="10000"/>
           </a:bodyPr>
           <a:lstStyle/>
           <a:p>
             <a:r>
-              <a:rPr lang="en-US" sz="2000"/>
+              <a:rPr lang="en-US" sz="2000" dirty="0"/>
               <a:t>Locate and review different datasets for project (validity)</a:t>
             </a:r>
           </a:p>
           <a:p>
             <a:r>
-              <a:rPr lang="en-US" sz="2000"/>
+              <a:rPr lang="en-US" sz="2000" dirty="0"/>
               <a:t>Data Review  </a:t>
             </a:r>
           </a:p>
           <a:p>
             <a:r>
-              <a:rPr lang="en-US" sz="2000"/>
+              <a:rPr lang="en-US" sz="2000" dirty="0"/>
               <a:t>Finalize project objective, select model along with algorithm – including data optimization</a:t>
             </a:r>
           </a:p>
           <a:p>
             <a:pPr lvl="1"/>
             <a:r>
-              <a:rPr lang="en-US"/>
+              <a:rPr lang="en-US" dirty="0"/>
               <a:t>Database in SQL</a:t>
             </a:r>
           </a:p>
           <a:p>
             <a:pPr lvl="1"/>
             <a:r>
-              <a:rPr lang="en-US"/>
-              <a:t>JavaScript Plotly Dashboard</a:t>
+              <a:rPr lang="en-US" dirty="0"/>
+              <a:t>Python Pandas</a:t>
+            </a:r>
+          </a:p>
+          <a:p>
+            <a:pPr lvl="1"/>
+            <a:r>
+              <a:rPr lang="en-US" dirty="0"/>
+              <a:t>JavaScript </a:t>
+            </a:r>
+            <a:r>
+              <a:rPr lang="en-US" dirty="0" err="1"/>
+              <a:t>Plotly</a:t>
+            </a:r>
+            <a:r>
+              <a:rPr lang="en-US" dirty="0"/>
+              <a:t> Dashboard</a:t>
             </a:r>
           </a:p>
         </p:txBody>
@@ -7571,13 +7573,13 @@
           <a:p>
             <a:r>
               <a:rPr lang="en-US" sz="2800" dirty="0"/>
-              <a:t>Tree-based model is a type of supervised Machine Learning which performs classification and regression analysis. For our project, reduction in variance was the type of algorithm used.</a:t>
+              <a:t>Tree-based model is a type of supervised Machine Learning which performs classification and regression analysis. </a:t>
             </a:r>
           </a:p>
           <a:p>
             <a:r>
               <a:rPr lang="en-US" sz="2800" dirty="0"/>
-              <a:t>We set out to predict numerical values that are continuous to show a range of interest rates that a user would receive.</a:t>
+              <a:t>We set out to predict numerical values that are continuous.</a:t>
             </a:r>
           </a:p>
         </p:txBody>
